--- a/tutorial/T08/tut08.pptx
+++ b/tutorial/T08/tut08.pptx
@@ -2068,6 +2068,30 @@
             <pc:docMk/>
             <pc:sldMk cId="3216618933" sldId="272"/>
             <ac:spMk id="4" creationId="{A8D2CAE8-E323-A14E-A62F-188A25405FEA}"/>
+          </ac:spMkLst>
+        </pc:spChg>
+      </pc:sldChg>
+    </pc:docChg>
+  </pc:docChgLst>
+  <pc:docChgLst>
+    <pc:chgData name="DING, Wenlong" userId="2462c282-915a-45d3-817d-b87203e0e2e0" providerId="ADAL" clId="{0BF0843C-4B37-9C4F-84B6-241297B0C5D6}"/>
+    <pc:docChg chg="undo custSel modSld">
+      <pc:chgData name="DING, Wenlong" userId="2462c282-915a-45d3-817d-b87203e0e2e0" providerId="ADAL" clId="{0BF0843C-4B37-9C4F-84B6-241297B0C5D6}" dt="2023-03-22T15:17:29.457" v="81" actId="20577"/>
+      <pc:docMkLst>
+        <pc:docMk/>
+      </pc:docMkLst>
+      <pc:sldChg chg="addSp delSp modSp mod">
+        <pc:chgData name="DING, Wenlong" userId="2462c282-915a-45d3-817d-b87203e0e2e0" providerId="ADAL" clId="{0BF0843C-4B37-9C4F-84B6-241297B0C5D6}" dt="2023-03-22T15:17:29.457" v="81" actId="20577"/>
+        <pc:sldMkLst>
+          <pc:docMk/>
+          <pc:sldMk cId="3370445712" sldId="277"/>
+        </pc:sldMkLst>
+        <pc:spChg chg="add del mod">
+          <ac:chgData name="DING, Wenlong" userId="2462c282-915a-45d3-817d-b87203e0e2e0" providerId="ADAL" clId="{0BF0843C-4B37-9C4F-84B6-241297B0C5D6}" dt="2023-03-22T15:17:29.457" v="81" actId="20577"/>
+          <ac:spMkLst>
+            <pc:docMk/>
+            <pc:sldMk cId="3370445712" sldId="277"/>
+            <ac:spMk id="15" creationId="{45C79BA1-37A3-5741-B0A1-E64646E4283C}"/>
           </ac:spMkLst>
         </pc:spChg>
       </pc:sldChg>
@@ -6501,15 +6525,7 @@
             </a:r>
             <a:r>
               <a:rPr lang="en-US" altLang="zh-CN" b="1" dirty="0"/>
-              <a:t>is</a:t>
-            </a:r>
-            <a:r>
-              <a:rPr lang="zh-CN" altLang="en-US" b="1" dirty="0"/>
-              <a:t> </a:t>
-            </a:r>
-            <a:r>
-              <a:rPr lang="en-US" altLang="zh-CN" b="1" dirty="0"/>
-              <a:t>released</a:t>
+              <a:t>will be released by this week</a:t>
             </a:r>
             <a:endParaRPr lang="en-US" b="1" dirty="0"/>
           </a:p>
